--- a/Cucumber_Presentation.pptx
+++ b/Cucumber_Presentation.pptx
@@ -775,7 +775,7 @@
           <a:p>
             <a:fld id="{1BA50D42-C9CD-4801-B293-61D1F53EC57E}" type="datetimeFigureOut">
               <a:rPr lang="de-DE" smtClean="0"/>
-              <a:t>05.11.2017</a:t>
+              <a:t>06.11.2017</a:t>
             </a:fld>
             <a:endParaRPr lang="de-DE"/>
           </a:p>
@@ -958,7 +958,7 @@
           <a:p>
             <a:fld id="{1BA50D42-C9CD-4801-B293-61D1F53EC57E}" type="datetimeFigureOut">
               <a:rPr lang="de-DE" smtClean="0"/>
-              <a:t>05.11.2017</a:t>
+              <a:t>06.11.2017</a:t>
             </a:fld>
             <a:endParaRPr lang="de-DE"/>
           </a:p>
@@ -1133,7 +1133,7 @@
           <a:p>
             <a:fld id="{1BA50D42-C9CD-4801-B293-61D1F53EC57E}" type="datetimeFigureOut">
               <a:rPr lang="de-DE" smtClean="0"/>
-              <a:t>05.11.2017</a:t>
+              <a:t>06.11.2017</a:t>
             </a:fld>
             <a:endParaRPr lang="de-DE"/>
           </a:p>
@@ -1298,7 +1298,7 @@
           <a:p>
             <a:fld id="{1BA50D42-C9CD-4801-B293-61D1F53EC57E}" type="datetimeFigureOut">
               <a:rPr lang="de-DE" smtClean="0"/>
-              <a:t>05.11.2017</a:t>
+              <a:t>06.11.2017</a:t>
             </a:fld>
             <a:endParaRPr lang="de-DE"/>
           </a:p>
@@ -1519,7 +1519,7 @@
           <a:p>
             <a:fld id="{1BA50D42-C9CD-4801-B293-61D1F53EC57E}" type="datetimeFigureOut">
               <a:rPr lang="de-DE" smtClean="0"/>
-              <a:t>05.11.2017</a:t>
+              <a:t>06.11.2017</a:t>
             </a:fld>
             <a:endParaRPr lang="de-DE"/>
           </a:p>
@@ -1778,7 +1778,7 @@
           <a:p>
             <a:fld id="{1BA50D42-C9CD-4801-B293-61D1F53EC57E}" type="datetimeFigureOut">
               <a:rPr lang="de-DE" smtClean="0"/>
-              <a:t>05.11.2017</a:t>
+              <a:t>06.11.2017</a:t>
             </a:fld>
             <a:endParaRPr lang="de-DE"/>
           </a:p>
@@ -2182,7 +2182,7 @@
           <a:p>
             <a:fld id="{1BA50D42-C9CD-4801-B293-61D1F53EC57E}" type="datetimeFigureOut">
               <a:rPr lang="de-DE" smtClean="0"/>
-              <a:t>05.11.2017</a:t>
+              <a:t>06.11.2017</a:t>
             </a:fld>
             <a:endParaRPr lang="de-DE"/>
           </a:p>
@@ -2313,7 +2313,7 @@
           <a:p>
             <a:fld id="{1BA50D42-C9CD-4801-B293-61D1F53EC57E}" type="datetimeFigureOut">
               <a:rPr lang="de-DE" smtClean="0"/>
-              <a:t>05.11.2017</a:t>
+              <a:t>06.11.2017</a:t>
             </a:fld>
             <a:endParaRPr lang="de-DE"/>
           </a:p>
@@ -2413,7 +2413,7 @@
           <a:p>
             <a:fld id="{1BA50D42-C9CD-4801-B293-61D1F53EC57E}" type="datetimeFigureOut">
               <a:rPr lang="de-DE" smtClean="0"/>
-              <a:t>05.11.2017</a:t>
+              <a:t>06.11.2017</a:t>
             </a:fld>
             <a:endParaRPr lang="de-DE"/>
           </a:p>
@@ -2658,7 +2658,7 @@
           <a:p>
             <a:fld id="{1BA50D42-C9CD-4801-B293-61D1F53EC57E}" type="datetimeFigureOut">
               <a:rPr lang="de-DE" smtClean="0"/>
-              <a:t>05.11.2017</a:t>
+              <a:t>06.11.2017</a:t>
             </a:fld>
             <a:endParaRPr lang="de-DE"/>
           </a:p>
@@ -2902,7 +2902,7 @@
           <a:p>
             <a:fld id="{1BA50D42-C9CD-4801-B293-61D1F53EC57E}" type="datetimeFigureOut">
               <a:rPr lang="de-DE" smtClean="0"/>
-              <a:t>05.11.2017</a:t>
+              <a:t>06.11.2017</a:t>
             </a:fld>
             <a:endParaRPr lang="de-DE"/>
           </a:p>
@@ -3726,7 +3726,7 @@
           <a:p>
             <a:fld id="{1BA50D42-C9CD-4801-B293-61D1F53EC57E}" type="datetimeFigureOut">
               <a:rPr lang="de-DE" smtClean="0"/>
-              <a:t>05.11.2017</a:t>
+              <a:t>06.11.2017</a:t>
             </a:fld>
             <a:endParaRPr lang="de-DE"/>
           </a:p>
@@ -4513,129 +4513,6 @@
           </a:p>
         </p:txBody>
       </p:sp>
-      <p:pic>
-        <p:nvPicPr>
-          <p:cNvPr id="3074" name="Picture 2" descr="Bildergebnis für cucumber"/>
-          <p:cNvPicPr>
-            <a:picLocks noChangeAspect="1" noChangeArrowheads="1"/>
-          </p:cNvPicPr>
-          <p:nvPr/>
-        </p:nvPicPr>
-        <p:blipFill>
-          <a:blip r:embed="rId4" cstate="print">
-            <a:extLst>
-              <a:ext uri="{28A0092B-C50C-407E-A947-70E740481C1C}">
-                <a14:useLocalDpi xmlns:a14="http://schemas.microsoft.com/office/drawing/2010/main" val="0"/>
-              </a:ext>
-            </a:extLst>
-          </a:blip>
-          <a:srcRect/>
-          <a:stretch>
-            <a:fillRect/>
-          </a:stretch>
-        </p:blipFill>
-        <p:spPr bwMode="auto">
-          <a:xfrm>
-            <a:off x="5183313" y="3961144"/>
-            <a:ext cx="2990308" cy="2242732"/>
-          </a:xfrm>
-          <a:prstGeom prst="rect">
-            <a:avLst/>
-          </a:prstGeom>
-          <a:noFill/>
-          <a:extLst>
-            <a:ext uri="{909E8E84-426E-40DD-AFC4-6F175D3DCCD1}">
-              <a14:hiddenFill xmlns:a14="http://schemas.microsoft.com/office/drawing/2010/main">
-                <a:solidFill>
-                  <a:srgbClr val="FFFFFF"/>
-                </a:solidFill>
-              </a14:hiddenFill>
-            </a:ext>
-          </a:extLst>
-        </p:spPr>
-      </p:pic>
-      <p:pic>
-        <p:nvPicPr>
-          <p:cNvPr id="3076" name="Picture 4" descr="https://automationpanda.files.wordpress.com/2017/01/gherkins_facebook.jpg?w=620"/>
-          <p:cNvPicPr>
-            <a:picLocks noChangeAspect="1" noChangeArrowheads="1"/>
-          </p:cNvPicPr>
-          <p:nvPr/>
-        </p:nvPicPr>
-        <p:blipFill>
-          <a:blip r:embed="rId5">
-            <a:extLst>
-              <a:ext uri="{28A0092B-C50C-407E-A947-70E740481C1C}">
-                <a14:useLocalDpi xmlns:a14="http://schemas.microsoft.com/office/drawing/2010/main" val="0"/>
-              </a:ext>
-            </a:extLst>
-          </a:blip>
-          <a:srcRect/>
-          <a:stretch>
-            <a:fillRect/>
-          </a:stretch>
-        </p:blipFill>
-        <p:spPr bwMode="auto">
-          <a:xfrm rot="21032650">
-            <a:off x="1836935" y="5319099"/>
-            <a:ext cx="2736304" cy="1438767"/>
-          </a:xfrm>
-          <a:prstGeom prst="rect">
-            <a:avLst/>
-          </a:prstGeom>
-          <a:noFill/>
-          <a:extLst>
-            <a:ext uri="{909E8E84-426E-40DD-AFC4-6F175D3DCCD1}">
-              <a14:hiddenFill xmlns:a14="http://schemas.microsoft.com/office/drawing/2010/main">
-                <a:solidFill>
-                  <a:srgbClr val="FFFFFF"/>
-                </a:solidFill>
-              </a14:hiddenFill>
-            </a:ext>
-          </a:extLst>
-        </p:spPr>
-      </p:pic>
-      <p:pic>
-        <p:nvPicPr>
-          <p:cNvPr id="3078" name="Picture 6" descr="Bildergebnis für selenium"/>
-          <p:cNvPicPr>
-            <a:picLocks noChangeAspect="1" noChangeArrowheads="1"/>
-          </p:cNvPicPr>
-          <p:nvPr/>
-        </p:nvPicPr>
-        <p:blipFill>
-          <a:blip r:embed="rId6">
-            <a:extLst>
-              <a:ext uri="{28A0092B-C50C-407E-A947-70E740481C1C}">
-                <a14:useLocalDpi xmlns:a14="http://schemas.microsoft.com/office/drawing/2010/main" val="0"/>
-              </a:ext>
-            </a:extLst>
-          </a:blip>
-          <a:srcRect/>
-          <a:stretch>
-            <a:fillRect/>
-          </a:stretch>
-        </p:blipFill>
-        <p:spPr bwMode="auto">
-          <a:xfrm>
-            <a:off x="719538" y="3199996"/>
-            <a:ext cx="1839466" cy="1839466"/>
-          </a:xfrm>
-          <a:prstGeom prst="rect">
-            <a:avLst/>
-          </a:prstGeom>
-          <a:noFill/>
-          <a:extLst>
-            <a:ext uri="{909E8E84-426E-40DD-AFC4-6F175D3DCCD1}">
-              <a14:hiddenFill xmlns:a14="http://schemas.microsoft.com/office/drawing/2010/main">
-                <a:solidFill>
-                  <a:srgbClr val="FFFFFF"/>
-                </a:solidFill>
-              </a14:hiddenFill>
-            </a:ext>
-          </a:extLst>
-        </p:spPr>
-      </p:pic>
     </p:spTree>
     <p:extLst>
       <p:ext uri="{BB962C8B-B14F-4D97-AF65-F5344CB8AC3E}">
@@ -4649,443 +4526,7 @@
   <p:timing>
     <p:tnLst>
       <p:par>
-        <p:cTn id="1" dur="indefinite" restart="never" nodeType="tmRoot">
-          <p:childTnLst>
-            <p:seq concurrent="1" nextAc="seek">
-              <p:cTn id="2" dur="indefinite" nodeType="mainSeq">
-                <p:childTnLst>
-                  <p:par>
-                    <p:cTn id="3" fill="hold">
-                      <p:stCondLst>
-                        <p:cond delay="indefinite"/>
-                      </p:stCondLst>
-                      <p:childTnLst>
-                        <p:par>
-                          <p:cTn id="4" fill="hold">
-                            <p:stCondLst>
-                              <p:cond delay="0"/>
-                            </p:stCondLst>
-                            <p:childTnLst>
-                              <p:par>
-                                <p:cTn id="5" presetID="10" presetClass="entr" presetSubtype="0" fill="hold" nodeType="clickEffect">
-                                  <p:stCondLst>
-                                    <p:cond delay="0"/>
-                                  </p:stCondLst>
-                                  <p:childTnLst>
-                                    <p:set>
-                                      <p:cBhvr>
-                                        <p:cTn id="6" dur="1" fill="hold">
-                                          <p:stCondLst>
-                                            <p:cond delay="0"/>
-                                          </p:stCondLst>
-                                        </p:cTn>
-                                        <p:tgtEl>
-                                          <p:spTgt spid="3074"/>
-                                        </p:tgtEl>
-                                        <p:attrNameLst>
-                                          <p:attrName>style.visibility</p:attrName>
-                                        </p:attrNameLst>
-                                      </p:cBhvr>
-                                      <p:to>
-                                        <p:strVal val="visible"/>
-                                      </p:to>
-                                    </p:set>
-                                    <p:animEffect transition="in" filter="fade">
-                                      <p:cBhvr>
-                                        <p:cTn id="7" dur="500"/>
-                                        <p:tgtEl>
-                                          <p:spTgt spid="3074"/>
-                                        </p:tgtEl>
-                                      </p:cBhvr>
-                                    </p:animEffect>
-                                  </p:childTnLst>
-                                </p:cTn>
-                              </p:par>
-                            </p:childTnLst>
-                          </p:cTn>
-                        </p:par>
-                      </p:childTnLst>
-                    </p:cTn>
-                  </p:par>
-                  <p:par>
-                    <p:cTn id="8" fill="hold">
-                      <p:stCondLst>
-                        <p:cond delay="indefinite"/>
-                      </p:stCondLst>
-                      <p:childTnLst>
-                        <p:par>
-                          <p:cTn id="9" fill="hold">
-                            <p:stCondLst>
-                              <p:cond delay="0"/>
-                            </p:stCondLst>
-                            <p:childTnLst>
-                              <p:par>
-                                <p:cTn id="10" presetID="10" presetClass="entr" presetSubtype="0" fill="hold" nodeType="clickEffect">
-                                  <p:stCondLst>
-                                    <p:cond delay="0"/>
-                                  </p:stCondLst>
-                                  <p:childTnLst>
-                                    <p:set>
-                                      <p:cBhvr>
-                                        <p:cTn id="11" dur="1" fill="hold">
-                                          <p:stCondLst>
-                                            <p:cond delay="0"/>
-                                          </p:stCondLst>
-                                        </p:cTn>
-                                        <p:tgtEl>
-                                          <p:spTgt spid="3076"/>
-                                        </p:tgtEl>
-                                        <p:attrNameLst>
-                                          <p:attrName>style.visibility</p:attrName>
-                                        </p:attrNameLst>
-                                      </p:cBhvr>
-                                      <p:to>
-                                        <p:strVal val="visible"/>
-                                      </p:to>
-                                    </p:set>
-                                    <p:animEffect transition="in" filter="fade">
-                                      <p:cBhvr>
-                                        <p:cTn id="12" dur="500"/>
-                                        <p:tgtEl>
-                                          <p:spTgt spid="3076"/>
-                                        </p:tgtEl>
-                                      </p:cBhvr>
-                                    </p:animEffect>
-                                  </p:childTnLst>
-                                </p:cTn>
-                              </p:par>
-                            </p:childTnLst>
-                          </p:cTn>
-                        </p:par>
-                      </p:childTnLst>
-                    </p:cTn>
-                  </p:par>
-                  <p:par>
-                    <p:cTn id="13" fill="hold">
-                      <p:stCondLst>
-                        <p:cond delay="indefinite"/>
-                      </p:stCondLst>
-                      <p:childTnLst>
-                        <p:par>
-                          <p:cTn id="14" fill="hold">
-                            <p:stCondLst>
-                              <p:cond delay="0"/>
-                            </p:stCondLst>
-                            <p:childTnLst>
-                              <p:par>
-                                <p:cTn id="15" presetID="10" presetClass="entr" presetSubtype="0" fill="hold" nodeType="clickEffect">
-                                  <p:stCondLst>
-                                    <p:cond delay="0"/>
-                                  </p:stCondLst>
-                                  <p:childTnLst>
-                                    <p:set>
-                                      <p:cBhvr>
-                                        <p:cTn id="16" dur="1" fill="hold">
-                                          <p:stCondLst>
-                                            <p:cond delay="0"/>
-                                          </p:stCondLst>
-                                        </p:cTn>
-                                        <p:tgtEl>
-                                          <p:spTgt spid="3078"/>
-                                        </p:tgtEl>
-                                        <p:attrNameLst>
-                                          <p:attrName>style.visibility</p:attrName>
-                                        </p:attrNameLst>
-                                      </p:cBhvr>
-                                      <p:to>
-                                        <p:strVal val="visible"/>
-                                      </p:to>
-                                    </p:set>
-                                    <p:animEffect transition="in" filter="fade">
-                                      <p:cBhvr>
-                                        <p:cTn id="17" dur="500"/>
-                                        <p:tgtEl>
-                                          <p:spTgt spid="3078"/>
-                                        </p:tgtEl>
-                                      </p:cBhvr>
-                                    </p:animEffect>
-                                  </p:childTnLst>
-                                </p:cTn>
-                              </p:par>
-                            </p:childTnLst>
-                          </p:cTn>
-                        </p:par>
-                      </p:childTnLst>
-                    </p:cTn>
-                  </p:par>
-                  <p:par>
-                    <p:cTn id="18" fill="hold">
-                      <p:stCondLst>
-                        <p:cond delay="indefinite"/>
-                      </p:stCondLst>
-                      <p:childTnLst>
-                        <p:par>
-                          <p:cTn id="19" fill="hold">
-                            <p:stCondLst>
-                              <p:cond delay="0"/>
-                            </p:stCondLst>
-                            <p:childTnLst>
-                              <p:par>
-                                <p:cTn id="20" presetID="10" presetClass="exit" presetSubtype="0" fill="hold" nodeType="clickEffect">
-                                  <p:stCondLst>
-                                    <p:cond delay="0"/>
-                                  </p:stCondLst>
-                                  <p:childTnLst>
-                                    <p:animEffect transition="out" filter="fade">
-                                      <p:cBhvr>
-                                        <p:cTn id="21" dur="500"/>
-                                        <p:tgtEl>
-                                          <p:spTgt spid="3078"/>
-                                        </p:tgtEl>
-                                      </p:cBhvr>
-                                    </p:animEffect>
-                                    <p:set>
-                                      <p:cBhvr>
-                                        <p:cTn id="22" dur="1" fill="hold">
-                                          <p:stCondLst>
-                                            <p:cond delay="499"/>
-                                          </p:stCondLst>
-                                        </p:cTn>
-                                        <p:tgtEl>
-                                          <p:spTgt spid="3078"/>
-                                        </p:tgtEl>
-                                        <p:attrNameLst>
-                                          <p:attrName>style.visibility</p:attrName>
-                                        </p:attrNameLst>
-                                      </p:cBhvr>
-                                      <p:to>
-                                        <p:strVal val="hidden"/>
-                                      </p:to>
-                                    </p:set>
-                                  </p:childTnLst>
-                                </p:cTn>
-                              </p:par>
-                              <p:par>
-                                <p:cTn id="23" presetID="10" presetClass="exit" presetSubtype="0" fill="hold" nodeType="withEffect">
-                                  <p:stCondLst>
-                                    <p:cond delay="0"/>
-                                  </p:stCondLst>
-                                  <p:childTnLst>
-                                    <p:animEffect transition="out" filter="fade">
-                                      <p:cBhvr>
-                                        <p:cTn id="24" dur="500"/>
-                                        <p:tgtEl>
-                                          <p:spTgt spid="3076"/>
-                                        </p:tgtEl>
-                                      </p:cBhvr>
-                                    </p:animEffect>
-                                    <p:set>
-                                      <p:cBhvr>
-                                        <p:cTn id="25" dur="1" fill="hold">
-                                          <p:stCondLst>
-                                            <p:cond delay="499"/>
-                                          </p:stCondLst>
-                                        </p:cTn>
-                                        <p:tgtEl>
-                                          <p:spTgt spid="3076"/>
-                                        </p:tgtEl>
-                                        <p:attrNameLst>
-                                          <p:attrName>style.visibility</p:attrName>
-                                        </p:attrNameLst>
-                                      </p:cBhvr>
-                                      <p:to>
-                                        <p:strVal val="hidden"/>
-                                      </p:to>
-                                    </p:set>
-                                  </p:childTnLst>
-                                </p:cTn>
-                              </p:par>
-                              <p:par>
-                                <p:cTn id="26" presetID="10" presetClass="exit" presetSubtype="0" fill="hold" nodeType="withEffect">
-                                  <p:stCondLst>
-                                    <p:cond delay="0"/>
-                                  </p:stCondLst>
-                                  <p:childTnLst>
-                                    <p:animEffect transition="out" filter="fade">
-                                      <p:cBhvr>
-                                        <p:cTn id="27" dur="500"/>
-                                        <p:tgtEl>
-                                          <p:spTgt spid="3074"/>
-                                        </p:tgtEl>
-                                      </p:cBhvr>
-                                    </p:animEffect>
-                                    <p:set>
-                                      <p:cBhvr>
-                                        <p:cTn id="28" dur="1" fill="hold">
-                                          <p:stCondLst>
-                                            <p:cond delay="499"/>
-                                          </p:stCondLst>
-                                        </p:cTn>
-                                        <p:tgtEl>
-                                          <p:spTgt spid="3074"/>
-                                        </p:tgtEl>
-                                        <p:attrNameLst>
-                                          <p:attrName>style.visibility</p:attrName>
-                                        </p:attrNameLst>
-                                      </p:cBhvr>
-                                      <p:to>
-                                        <p:strVal val="hidden"/>
-                                      </p:to>
-                                    </p:set>
-                                  </p:childTnLst>
-                                </p:cTn>
-                              </p:par>
-                            </p:childTnLst>
-                          </p:cTn>
-                        </p:par>
-                        <p:par>
-                          <p:cTn id="29" fill="hold">
-                            <p:stCondLst>
-                              <p:cond delay="500"/>
-                            </p:stCondLst>
-                            <p:childTnLst>
-                              <p:par>
-                                <p:cTn id="30" presetID="10" presetClass="entr" presetSubtype="0" fill="hold" nodeType="afterEffect">
-                                  <p:stCondLst>
-                                    <p:cond delay="0"/>
-                                  </p:stCondLst>
-                                  <p:childTnLst>
-                                    <p:set>
-                                      <p:cBhvr>
-                                        <p:cTn id="31" dur="1" fill="hold">
-                                          <p:stCondLst>
-                                            <p:cond delay="0"/>
-                                          </p:stCondLst>
-                                        </p:cTn>
-                                        <p:tgtEl>
-                                          <p:spTgt spid="1031"/>
-                                        </p:tgtEl>
-                                        <p:attrNameLst>
-                                          <p:attrName>style.visibility</p:attrName>
-                                        </p:attrNameLst>
-                                      </p:cBhvr>
-                                      <p:to>
-                                        <p:strVal val="visible"/>
-                                      </p:to>
-                                    </p:set>
-                                    <p:animEffect transition="in" filter="fade">
-                                      <p:cBhvr>
-                                        <p:cTn id="32" dur="500"/>
-                                        <p:tgtEl>
-                                          <p:spTgt spid="1031"/>
-                                        </p:tgtEl>
-                                      </p:cBhvr>
-                                    </p:animEffect>
-                                  </p:childTnLst>
-                                </p:cTn>
-                              </p:par>
-                              <p:par>
-                                <p:cTn id="33" presetID="10" presetClass="entr" presetSubtype="0" fill="hold" nodeType="withEffect">
-                                  <p:stCondLst>
-                                    <p:cond delay="0"/>
-                                  </p:stCondLst>
-                                  <p:childTnLst>
-                                    <p:set>
-                                      <p:cBhvr>
-                                        <p:cTn id="34" dur="1" fill="hold">
-                                          <p:stCondLst>
-                                            <p:cond delay="0"/>
-                                          </p:stCondLst>
-                                        </p:cTn>
-                                        <p:tgtEl>
-                                          <p:spTgt spid="1033"/>
-                                        </p:tgtEl>
-                                        <p:attrNameLst>
-                                          <p:attrName>style.visibility</p:attrName>
-                                        </p:attrNameLst>
-                                      </p:cBhvr>
-                                      <p:to>
-                                        <p:strVal val="visible"/>
-                                      </p:to>
-                                    </p:set>
-                                    <p:animEffect transition="in" filter="fade">
-                                      <p:cBhvr>
-                                        <p:cTn id="35" dur="500"/>
-                                        <p:tgtEl>
-                                          <p:spTgt spid="1033"/>
-                                        </p:tgtEl>
-                                      </p:cBhvr>
-                                    </p:animEffect>
-                                  </p:childTnLst>
-                                </p:cTn>
-                              </p:par>
-                            </p:childTnLst>
-                          </p:cTn>
-                        </p:par>
-                        <p:par>
-                          <p:cTn id="36" fill="hold">
-                            <p:stCondLst>
-                              <p:cond delay="1000"/>
-                            </p:stCondLst>
-                            <p:childTnLst>
-                              <p:par>
-                                <p:cTn id="37" presetID="10" presetClass="entr" presetSubtype="0" fill="hold" nodeType="afterEffect">
-                                  <p:stCondLst>
-                                    <p:cond delay="0"/>
-                                  </p:stCondLst>
-                                  <p:childTnLst>
-                                    <p:set>
-                                      <p:cBhvr>
-                                        <p:cTn id="38" dur="1" fill="hold">
-                                          <p:stCondLst>
-                                            <p:cond delay="0"/>
-                                          </p:stCondLst>
-                                        </p:cTn>
-                                        <p:tgtEl>
-                                          <p:spTgt spid="7">
-                                            <p:txEl>
-                                              <p:pRg st="0" end="0"/>
-                                            </p:txEl>
-                                          </p:spTgt>
-                                        </p:tgtEl>
-                                        <p:attrNameLst>
-                                          <p:attrName>style.visibility</p:attrName>
-                                        </p:attrNameLst>
-                                      </p:cBhvr>
-                                      <p:to>
-                                        <p:strVal val="visible"/>
-                                      </p:to>
-                                    </p:set>
-                                    <p:animEffect transition="in" filter="fade">
-                                      <p:cBhvr>
-                                        <p:cTn id="39" dur="500"/>
-                                        <p:tgtEl>
-                                          <p:spTgt spid="7">
-                                            <p:txEl>
-                                              <p:pRg st="0" end="0"/>
-                                            </p:txEl>
-                                          </p:spTgt>
-                                        </p:tgtEl>
-                                      </p:cBhvr>
-                                    </p:animEffect>
-                                  </p:childTnLst>
-                                </p:cTn>
-                              </p:par>
-                            </p:childTnLst>
-                          </p:cTn>
-                        </p:par>
-                      </p:childTnLst>
-                    </p:cTn>
-                  </p:par>
-                </p:childTnLst>
-              </p:cTn>
-              <p:prevCondLst>
-                <p:cond evt="onPrev" delay="0">
-                  <p:tgtEl>
-                    <p:sldTgt/>
-                  </p:tgtEl>
-                </p:cond>
-              </p:prevCondLst>
-              <p:nextCondLst>
-                <p:cond evt="onNext" delay="0">
-                  <p:tgtEl>
-                    <p:sldTgt/>
-                  </p:tgtEl>
-                </p:cond>
-              </p:nextCondLst>
-            </p:seq>
-          </p:childTnLst>
-        </p:cTn>
+        <p:cTn id="1" dur="indefinite" restart="never" nodeType="tmRoot"/>
       </p:par>
     </p:tnLst>
   </p:timing>
@@ -5276,6 +4717,13 @@
   <p:clrMapOvr>
     <a:masterClrMapping/>
   </p:clrMapOvr>
+  <p:timing>
+    <p:tnLst>
+      <p:par>
+        <p:cTn id="1" dur="indefinite" restart="never" nodeType="tmRoot"/>
+      </p:par>
+    </p:tnLst>
+  </p:timing>
 </p:sld>
 </file>
 
